--- a/docs/Presentations/SETUP.pptx
+++ b/docs/Presentations/SETUP.pptx
@@ -8,6 +8,8 @@
     <p:sldId id="256" r:id="rId2"/>
     <p:sldId id="257" r:id="rId3"/>
     <p:sldId id="258" r:id="rId4"/>
+    <p:sldId id="259" r:id="rId5"/>
+    <p:sldId id="260" r:id="rId6"/>
   </p:sldIdLst>
   <p:sldSz cx="12192000" cy="6858000"/>
   <p:notesSz cx="6858000" cy="9144000"/>
@@ -294,7 +296,7 @@
           <a:p>
             <a:fld id="{96DFF08F-DC6B-4601-B491-B0F83F6DD2DA}" type="datetimeFigureOut">
               <a:rPr lang="en-US" dirty="0"/>
-              <a:t>1/20/2017</a:t>
+              <a:t>1/22/2017</a:t>
             </a:fld>
             <a:endParaRPr lang="en-US" dirty="0"/>
           </a:p>
@@ -545,7 +547,7 @@
           <a:p>
             <a:fld id="{96DFF08F-DC6B-4601-B491-B0F83F6DD2DA}" type="datetimeFigureOut">
               <a:rPr lang="en-US" dirty="0"/>
-              <a:t>1/20/2017</a:t>
+              <a:t>1/22/2017</a:t>
             </a:fld>
             <a:endParaRPr lang="en-US" dirty="0"/>
           </a:p>
@@ -782,7 +784,7 @@
           <a:p>
             <a:fld id="{96DFF08F-DC6B-4601-B491-B0F83F6DD2DA}" type="datetimeFigureOut">
               <a:rPr lang="en-US" dirty="0"/>
-              <a:t>1/20/2017</a:t>
+              <a:t>1/22/2017</a:t>
             </a:fld>
             <a:endParaRPr lang="en-US" dirty="0"/>
           </a:p>
@@ -992,7 +994,7 @@
           <a:p>
             <a:fld id="{96DFF08F-DC6B-4601-B491-B0F83F6DD2DA}" type="datetimeFigureOut">
               <a:rPr lang="en-US" dirty="0"/>
-              <a:t>1/20/2017</a:t>
+              <a:t>1/22/2017</a:t>
             </a:fld>
             <a:endParaRPr lang="en-US" dirty="0"/>
           </a:p>
@@ -1583,7 +1585,7 @@
           <a:p>
             <a:fld id="{96DFF08F-DC6B-4601-B491-B0F83F6DD2DA}" type="datetimeFigureOut">
               <a:rPr lang="en-US" dirty="0"/>
-              <a:t>1/20/2017</a:t>
+              <a:t>1/22/2017</a:t>
             </a:fld>
             <a:endParaRPr lang="en-US" dirty="0"/>
           </a:p>
@@ -2012,7 +2014,7 @@
           <a:p>
             <a:fld id="{96DFF08F-DC6B-4601-B491-B0F83F6DD2DA}" type="datetimeFigureOut">
               <a:rPr lang="en-US" dirty="0"/>
-              <a:t>1/20/2017</a:t>
+              <a:t>1/22/2017</a:t>
             </a:fld>
             <a:endParaRPr lang="en-US" dirty="0"/>
           </a:p>
@@ -2181,7 +2183,7 @@
           <a:p>
             <a:fld id="{96DFF08F-DC6B-4601-B491-B0F83F6DD2DA}" type="datetimeFigureOut">
               <a:rPr lang="en-US" dirty="0"/>
-              <a:t>1/20/2017</a:t>
+              <a:t>1/22/2017</a:t>
             </a:fld>
             <a:endParaRPr lang="en-US" dirty="0"/>
           </a:p>
@@ -2468,7 +2470,7 @@
           <a:p>
             <a:fld id="{96DFF08F-DC6B-4601-B491-B0F83F6DD2DA}" type="datetimeFigureOut">
               <a:rPr lang="en-US" dirty="0"/>
-              <a:t>1/20/2017</a:t>
+              <a:t>1/22/2017</a:t>
             </a:fld>
             <a:endParaRPr lang="en-US" dirty="0"/>
           </a:p>
@@ -2747,7 +2749,7 @@
           <a:p>
             <a:fld id="{96DFF08F-DC6B-4601-B491-B0F83F6DD2DA}" type="datetimeFigureOut">
               <a:rPr lang="en-US" dirty="0"/>
-              <a:t>1/20/2017</a:t>
+              <a:t>1/22/2017</a:t>
             </a:fld>
             <a:endParaRPr lang="en-US" dirty="0"/>
           </a:p>
@@ -3022,7 +3024,7 @@
             <a:fld id="{96DFF08F-DC6B-4601-B491-B0F83F6DD2DA}" type="datetimeFigureOut">
               <a:rPr lang="en-US" dirty="0"/>
               <a:pPr/>
-              <a:t>1/20/2017</a:t>
+              <a:t>1/22/2017</a:t>
             </a:fld>
             <a:endParaRPr lang="en-US" dirty="0"/>
           </a:p>
@@ -4789,6 +4791,185 @@
 </p:sld>
 </file>
 
+<file path=ppt/slides/slide4.xml><?xml version="1.0" encoding="utf-8"?>
+<p:sld xmlns:a="http://schemas.openxmlformats.org/drawingml/2006/main" xmlns:r="http://schemas.openxmlformats.org/officeDocument/2006/relationships" xmlns:p="http://schemas.openxmlformats.org/presentationml/2006/main">
+  <p:cSld>
+    <p:spTree>
+      <p:nvGrpSpPr>
+        <p:cNvPr id="1" name=""/>
+        <p:cNvGrpSpPr/>
+        <p:nvPr/>
+      </p:nvGrpSpPr>
+      <p:grpSpPr>
+        <a:xfrm>
+          <a:off x="0" y="0"/>
+          <a:ext cx="0" cy="0"/>
+          <a:chOff x="0" y="0"/>
+          <a:chExt cx="0" cy="0"/>
+        </a:xfrm>
+      </p:grpSpPr>
+      <p:sp>
+        <p:nvSpPr>
+          <p:cNvPr id="3" name="Titel 2"/>
+          <p:cNvSpPr>
+            <a:spLocks noGrp="1"/>
+          </p:cNvSpPr>
+          <p:nvPr>
+            <p:ph type="title"/>
+          </p:nvPr>
+        </p:nvSpPr>
+        <p:spPr/>
+        <p:txBody>
+          <a:bodyPr/>
+          <a:lstStyle/>
+          <a:p>
+            <a:r>
+              <a:rPr lang="nl-BE" dirty="0" err="1"/>
+              <a:t>ldt</a:t>
+            </a:r>
+            <a:r>
+              <a:rPr lang="nl-BE" dirty="0"/>
+              <a:t> setup</a:t>
+            </a:r>
+          </a:p>
+        </p:txBody>
+      </p:sp>
+      <p:sp>
+        <p:nvSpPr>
+          <p:cNvPr id="4" name="Tijdelijke aanduiding voor tekst 3"/>
+          <p:cNvSpPr>
+            <a:spLocks noGrp="1"/>
+          </p:cNvSpPr>
+          <p:nvPr>
+            <p:ph type="body" idx="1"/>
+          </p:nvPr>
+        </p:nvSpPr>
+        <p:spPr/>
+        <p:txBody>
+          <a:bodyPr/>
+          <a:lstStyle/>
+          <a:p>
+            <a:endParaRPr lang="nl-BE"/>
+          </a:p>
+        </p:txBody>
+      </p:sp>
+    </p:spTree>
+    <p:extLst>
+      <p:ext uri="{BB962C8B-B14F-4D97-AF65-F5344CB8AC3E}">
+        <p14:creationId xmlns:p14="http://schemas.microsoft.com/office/powerpoint/2010/main" val="287286310"/>
+      </p:ext>
+    </p:extLst>
+  </p:cSld>
+  <p:clrMapOvr>
+    <a:masterClrMapping/>
+  </p:clrMapOvr>
+  <mc:AlternateContent xmlns:mc="http://schemas.openxmlformats.org/markup-compatibility/2006" xmlns:p159="http://schemas.microsoft.com/office/powerpoint/2015/09/main">
+    <mc:Choice Requires="p159">
+      <p:transition xmlns:p14="http://schemas.microsoft.com/office/powerpoint/2010/main" spd="slow" p14:dur="2000">
+        <p159:morph option="byObject"/>
+      </p:transition>
+    </mc:Choice>
+    <mc:Fallback xmlns="">
+      <p:transition spd="slow">
+        <p:fade/>
+      </p:transition>
+    </mc:Fallback>
+  </mc:AlternateContent>
+</p:sld>
+</file>
+
+<file path=ppt/slides/slide5.xml><?xml version="1.0" encoding="utf-8"?>
+<p:sld xmlns:a="http://schemas.openxmlformats.org/drawingml/2006/main" xmlns:r="http://schemas.openxmlformats.org/officeDocument/2006/relationships" xmlns:p="http://schemas.openxmlformats.org/presentationml/2006/main">
+  <p:cSld>
+    <p:spTree>
+      <p:nvGrpSpPr>
+        <p:cNvPr id="1" name=""/>
+        <p:cNvGrpSpPr/>
+        <p:nvPr/>
+      </p:nvGrpSpPr>
+      <p:grpSpPr>
+        <a:xfrm>
+          <a:off x="0" y="0"/>
+          <a:ext cx="0" cy="0"/>
+          <a:chOff x="0" y="0"/>
+          <a:chExt cx="0" cy="0"/>
+        </a:xfrm>
+      </p:grpSpPr>
+      <p:sp>
+        <p:nvSpPr>
+          <p:cNvPr id="4" name="Titel 3"/>
+          <p:cNvSpPr>
+            <a:spLocks noGrp="1"/>
+          </p:cNvSpPr>
+          <p:nvPr>
+            <p:ph type="title"/>
+          </p:nvPr>
+        </p:nvSpPr>
+        <p:spPr/>
+        <p:txBody>
+          <a:bodyPr/>
+          <a:lstStyle/>
+          <a:p>
+            <a:r>
+              <a:rPr lang="nl-BE" dirty="0" err="1"/>
+              <a:t>ldt</a:t>
+            </a:r>
+            <a:r>
+              <a:rPr lang="nl-BE" dirty="0"/>
+              <a:t> setup</a:t>
+            </a:r>
+          </a:p>
+        </p:txBody>
+      </p:sp>
+      <p:pic>
+        <p:nvPicPr>
+          <p:cNvPr id="5" name="Afbeelding 4"/>
+          <p:cNvPicPr>
+            <a:picLocks noChangeAspect="1"/>
+          </p:cNvPicPr>
+          <p:nvPr/>
+        </p:nvPicPr>
+        <p:blipFill>
+          <a:blip r:embed="rId2"/>
+          <a:stretch>
+            <a:fillRect/>
+          </a:stretch>
+        </p:blipFill>
+        <p:spPr>
+          <a:xfrm>
+            <a:off x="1865953" y="1988984"/>
+            <a:ext cx="3547307" cy="4770053"/>
+          </a:xfrm>
+          <a:prstGeom prst="rect">
+            <a:avLst/>
+          </a:prstGeom>
+        </p:spPr>
+      </p:pic>
+    </p:spTree>
+    <p:extLst>
+      <p:ext uri="{BB962C8B-B14F-4D97-AF65-F5344CB8AC3E}">
+        <p14:creationId xmlns:p14="http://schemas.microsoft.com/office/powerpoint/2010/main" val="1719082295"/>
+      </p:ext>
+    </p:extLst>
+  </p:cSld>
+  <p:clrMapOvr>
+    <a:masterClrMapping/>
+  </p:clrMapOvr>
+  <mc:AlternateContent xmlns:mc="http://schemas.openxmlformats.org/markup-compatibility/2006" xmlns:p159="http://schemas.microsoft.com/office/powerpoint/2015/09/main">
+    <mc:Choice Requires="p159">
+      <p:transition xmlns:p14="http://schemas.microsoft.com/office/powerpoint/2010/main" spd="slow" p14:dur="2000">
+        <p159:morph option="byObject"/>
+      </p:transition>
+    </mc:Choice>
+    <mc:Fallback xmlns="">
+      <p:transition spd="slow">
+        <p:fade/>
+      </p:transition>
+    </mc:Fallback>
+  </mc:AlternateContent>
+</p:sld>
+</file>
+
 <file path=ppt/theme/theme1.xml><?xml version="1.0" encoding="utf-8"?>
 <a:theme xmlns:a="http://schemas.openxmlformats.org/drawingml/2006/main" name="Gestreept">
   <a:themeElements>
